--- a/ppt/RTM講習会_3部.pptx
+++ b/ppt/RTM講習会_3部.pptx
@@ -9202,7 +9202,7 @@
           <a:graphicData uri="http://schemas.openxmlformats.org/presentationml/2006/ole">
             <mc:AlternateContent xmlns:mc="http://schemas.openxmlformats.org/markup-compatibility/2006">
               <mc:Choice xmlns:v="urn:schemas-microsoft-com:vml" Requires="v">
-                <p:oleObj spid="_x0000_s1185" name="Corel DESIGNER" r:id="rId18" imgW="2743200" imgH="1536480" progId="Corel DESIGNER.Graphic.10">
+                <p:oleObj spid="_x0000_s1186" name="Corel DESIGNER" r:id="rId18" imgW="2743200" imgH="1536480" progId="Corel DESIGNER.Graphic.10">
                   <p:embed/>
                 </p:oleObj>
               </mc:Choice>
@@ -13653,12 +13653,20 @@
               <a:t>EV3</a:t>
             </a:r>
             <a:r>
+              <a:rPr lang="ja-JP" altLang="en-US" sz="1600" kern="0">
+                <a:solidFill>
+                  <a:srgbClr val="5F5F5F"/>
+                </a:solidFill>
+              </a:rPr>
+              <a:t>を土台に</a:t>
+            </a:r>
+            <a:r>
               <a:rPr lang="ja-JP" altLang="en-US" sz="1600" kern="0" dirty="0">
                 <a:solidFill>
                   <a:srgbClr val="5F5F5F"/>
                 </a:solidFill>
               </a:rPr>
-              <a:t>を本体に装着</a:t>
+              <a:t>装着</a:t>
             </a:r>
             <a:endParaRPr lang="en-US" altLang="ja-JP" sz="1600" kern="0" dirty="0">
               <a:solidFill>
